--- a/Лабораторная работа.pptx
+++ b/Лабораторная работа.pptx
@@ -112,6 +112,11 @@
       </a:defRPr>
     </a:lvl9pPr>
   </p:defaultTextStyle>
+  <p:extLst>
+    <p:ext uri="{EFAFB233-063F-42B5-8137-9DF3F51BA10A}">
+      <p15:sldGuideLst xmlns:p15="http://schemas.microsoft.com/office/powerpoint/2012/main"/>
+    </p:ext>
+  </p:extLst>
 </p:presentation>
 </file>
 
@@ -3032,8 +3037,20 @@
             <a:pPr algn="r"/>
             <a:r>
               <a:rPr lang="ru-RU" dirty="0" smtClean="0"/>
-              <a:t>Романенко Платон 23кнт-7</a:t>
-            </a:r>
+              <a:t>Романенко Платон </a:t>
+            </a:r>
+            <a:r>
+              <a:rPr lang="ru-RU" dirty="0" smtClean="0"/>
+              <a:t>23кнт-7</a:t>
+            </a:r>
+          </a:p>
+          <a:p>
+            <a:pPr algn="r"/>
+            <a:r>
+              <a:rPr lang="ru-RU" smtClean="0"/>
+              <a:t>Маркисова Кристина 23кнт-6</a:t>
+            </a:r>
+            <a:endParaRPr lang="ru-RU" dirty="0" smtClean="0"/>
           </a:p>
           <a:p>
             <a:pPr algn="r"/>
